--- a/THESIS REPORT _ TRAN TAN DONG.pptx
+++ b/THESIS REPORT _ TRAN TAN DONG.pptx
@@ -6146,7 +6146,7 @@
             <a:fld id="{EFC10EE1-B198-C942-8235-326C972CBB30}" type="datetimeFigureOut">
               <a:rPr lang="en-US" smtClean="0"/>
               <a:pPr/>
-              <a:t>12/10/2018</a:t>
+              <a:t>12/11/2018</a:t>
             </a:fld>
             <a:endParaRPr lang="en-US" dirty="0"/>
           </a:p>
@@ -13224,218 +13224,6 @@
           </a:fontRef>
         </p:style>
       </p:cxnSp>
-      <p:sp>
-        <p:nvSpPr>
-          <p:cNvPr id="43" name="Subtitle 2">
-            <a:extLst>
-              <a:ext uri="{FF2B5EF4-FFF2-40B4-BE49-F238E27FC236}">
-                <a16:creationId xmlns:a16="http://schemas.microsoft.com/office/drawing/2014/main" id="{8A05BDD5-7F59-4AC6-A95C-3AAE8D461D0F}"/>
-              </a:ext>
-            </a:extLst>
-          </p:cNvPr>
-          <p:cNvSpPr txBox="1">
-            <a:spLocks/>
-          </p:cNvSpPr>
-          <p:nvPr/>
-        </p:nvSpPr>
-        <p:spPr>
-          <a:xfrm>
-            <a:off x="10701773" y="1695235"/>
-            <a:ext cx="3021666" cy="688845"/>
-          </a:xfrm>
-          <a:prstGeom prst="rect">
-            <a:avLst/>
-          </a:prstGeom>
-        </p:spPr>
-        <p:txBody>
-          <a:bodyPr vert="horz" wrap="none" lIns="217490" tIns="108745" rIns="217490" bIns="108745" rtlCol="0">
-            <a:spAutoFit/>
-          </a:bodyPr>
-          <a:lstStyle>
-            <a:lvl1pPr marL="0" indent="0" algn="ctr" defTabSz="1087636" rtl="0" eaLnBrk="1" latinLnBrk="0" hangingPunct="1">
-              <a:lnSpc>
-                <a:spcPct val="120000"/>
-              </a:lnSpc>
-              <a:spcBef>
-                <a:spcPct val="20000"/>
-              </a:spcBef>
-              <a:buFont typeface="Arial"/>
-              <a:buNone/>
-              <a:defRPr sz="2400" kern="1200">
-                <a:solidFill>
-                  <a:schemeClr val="tx2"/>
-                </a:solidFill>
-                <a:latin typeface="Open Sans Light"/>
-                <a:ea typeface="+mn-ea"/>
-                <a:cs typeface="Open Sans Light"/>
-              </a:defRPr>
-            </a:lvl1pPr>
-            <a:lvl2pPr marL="1087636" indent="0" algn="ctr" defTabSz="1087636" rtl="0" eaLnBrk="1" latinLnBrk="0" hangingPunct="1">
-              <a:lnSpc>
-                <a:spcPct val="130000"/>
-              </a:lnSpc>
-              <a:spcBef>
-                <a:spcPct val="20000"/>
-              </a:spcBef>
-              <a:buFont typeface="Arial"/>
-              <a:buNone/>
-              <a:defRPr sz="3200" kern="1200">
-                <a:solidFill>
-                  <a:schemeClr val="tx1">
-                    <a:tint val="75000"/>
-                  </a:schemeClr>
-                </a:solidFill>
-                <a:latin typeface="Open Sans"/>
-                <a:ea typeface="+mn-ea"/>
-                <a:cs typeface="Open Sans"/>
-              </a:defRPr>
-            </a:lvl2pPr>
-            <a:lvl3pPr marL="2175271" indent="0" algn="ctr" defTabSz="1087636" rtl="0" eaLnBrk="1" latinLnBrk="0" hangingPunct="1">
-              <a:lnSpc>
-                <a:spcPct val="130000"/>
-              </a:lnSpc>
-              <a:spcBef>
-                <a:spcPct val="20000"/>
-              </a:spcBef>
-              <a:buFont typeface="Arial"/>
-              <a:buNone/>
-              <a:defRPr sz="3200" kern="1200">
-                <a:solidFill>
-                  <a:schemeClr val="tx1">
-                    <a:tint val="75000"/>
-                  </a:schemeClr>
-                </a:solidFill>
-                <a:latin typeface="Open Sans"/>
-                <a:ea typeface="+mn-ea"/>
-                <a:cs typeface="Open Sans"/>
-              </a:defRPr>
-            </a:lvl3pPr>
-            <a:lvl4pPr marL="3262912" indent="0" algn="ctr" defTabSz="1087636" rtl="0" eaLnBrk="1" latinLnBrk="0" hangingPunct="1">
-              <a:lnSpc>
-                <a:spcPct val="130000"/>
-              </a:lnSpc>
-              <a:spcBef>
-                <a:spcPct val="20000"/>
-              </a:spcBef>
-              <a:buFont typeface="Arial"/>
-              <a:buNone/>
-              <a:defRPr sz="3200" kern="1200">
-                <a:solidFill>
-                  <a:schemeClr val="tx1">
-                    <a:tint val="75000"/>
-                  </a:schemeClr>
-                </a:solidFill>
-                <a:latin typeface="Open Sans"/>
-                <a:ea typeface="+mn-ea"/>
-                <a:cs typeface="Open Sans"/>
-              </a:defRPr>
-            </a:lvl4pPr>
-            <a:lvl5pPr marL="4350546" indent="0" algn="ctr" defTabSz="1087636" rtl="0" eaLnBrk="1" latinLnBrk="0" hangingPunct="1">
-              <a:lnSpc>
-                <a:spcPct val="130000"/>
-              </a:lnSpc>
-              <a:spcBef>
-                <a:spcPct val="20000"/>
-              </a:spcBef>
-              <a:buFont typeface="Arial"/>
-              <a:buNone/>
-              <a:defRPr sz="3200" kern="1200">
-                <a:solidFill>
-                  <a:schemeClr val="tx1">
-                    <a:tint val="75000"/>
-                  </a:schemeClr>
-                </a:solidFill>
-                <a:latin typeface="Open Sans"/>
-                <a:ea typeface="+mn-ea"/>
-                <a:cs typeface="Open Sans"/>
-              </a:defRPr>
-            </a:lvl5pPr>
-            <a:lvl6pPr marL="5438184" indent="0" algn="ctr" defTabSz="1087636" rtl="0" eaLnBrk="1" latinLnBrk="0" hangingPunct="1">
-              <a:spcBef>
-                <a:spcPct val="20000"/>
-              </a:spcBef>
-              <a:buFont typeface="Arial"/>
-              <a:buNone/>
-              <a:defRPr sz="4800" kern="1200">
-                <a:solidFill>
-                  <a:schemeClr val="tx1">
-                    <a:tint val="75000"/>
-                  </a:schemeClr>
-                </a:solidFill>
-                <a:latin typeface="+mn-lt"/>
-                <a:ea typeface="+mn-ea"/>
-                <a:cs typeface="+mn-cs"/>
-              </a:defRPr>
-            </a:lvl6pPr>
-            <a:lvl7pPr marL="6525820" indent="0" algn="ctr" defTabSz="1087636" rtl="0" eaLnBrk="1" latinLnBrk="0" hangingPunct="1">
-              <a:spcBef>
-                <a:spcPct val="20000"/>
-              </a:spcBef>
-              <a:buFont typeface="Arial"/>
-              <a:buNone/>
-              <a:defRPr sz="4800" kern="1200">
-                <a:solidFill>
-                  <a:schemeClr val="tx1">
-                    <a:tint val="75000"/>
-                  </a:schemeClr>
-                </a:solidFill>
-                <a:latin typeface="+mn-lt"/>
-                <a:ea typeface="+mn-ea"/>
-                <a:cs typeface="+mn-cs"/>
-              </a:defRPr>
-            </a:lvl7pPr>
-            <a:lvl8pPr marL="7613455" indent="0" algn="ctr" defTabSz="1087636" rtl="0" eaLnBrk="1" latinLnBrk="0" hangingPunct="1">
-              <a:spcBef>
-                <a:spcPct val="20000"/>
-              </a:spcBef>
-              <a:buFont typeface="Arial"/>
-              <a:buNone/>
-              <a:defRPr sz="4800" kern="1200">
-                <a:solidFill>
-                  <a:schemeClr val="tx1">
-                    <a:tint val="75000"/>
-                  </a:schemeClr>
-                </a:solidFill>
-                <a:latin typeface="+mn-lt"/>
-                <a:ea typeface="+mn-ea"/>
-                <a:cs typeface="+mn-cs"/>
-              </a:defRPr>
-            </a:lvl8pPr>
-            <a:lvl9pPr marL="8701091" indent="0" algn="ctr" defTabSz="1087636" rtl="0" eaLnBrk="1" latinLnBrk="0" hangingPunct="1">
-              <a:spcBef>
-                <a:spcPct val="20000"/>
-              </a:spcBef>
-              <a:buFont typeface="Arial"/>
-              <a:buNone/>
-              <a:defRPr sz="4800" kern="1200">
-                <a:solidFill>
-                  <a:schemeClr val="tx1">
-                    <a:tint val="75000"/>
-                  </a:schemeClr>
-                </a:solidFill>
-                <a:latin typeface="+mn-lt"/>
-                <a:ea typeface="+mn-ea"/>
-                <a:cs typeface="+mn-cs"/>
-              </a:defRPr>
-            </a:lvl9pPr>
-          </a:lstStyle>
-          <a:p>
-            <a:r>
-              <a:rPr lang="en-US" sz="2801" spc="300" dirty="0">
-                <a:solidFill>
-                  <a:schemeClr val="bg1">
-                    <a:lumMod val="75000"/>
-                  </a:schemeClr>
-                </a:solidFill>
-                <a:latin typeface="Lato" charset="0"/>
-                <a:ea typeface="Lato" charset="0"/>
-                <a:cs typeface="Lato" charset="0"/>
-              </a:rPr>
-              <a:t>VỀ LÍ THUYẾT</a:t>
-            </a:r>
-          </a:p>
-        </p:txBody>
-      </p:sp>
       <p:sp>
         <p:nvSpPr>
           <p:cNvPr id="26" name="TextBox 25"/>
@@ -18830,15 +18618,15 @@
               <a:buChar char="o"/>
             </a:pPr>
             <a:r>
-              <a:rPr lang="en-US" sz="3200" dirty="0" err="1">
+              <a:rPr lang="en-US" sz="3200" dirty="0" err="1" smtClean="0">
                 <a:latin typeface="Lato Light" charset="0"/>
                 <a:ea typeface="Lato Light" charset="0"/>
                 <a:cs typeface="Lato Light" charset="0"/>
               </a:rPr>
-              <a:t>Dữ</a:t>
-            </a:r>
-            <a:r>
-              <a:rPr lang="en-US" sz="3200" dirty="0">
+              <a:t>Chưa</a:t>
+            </a:r>
+            <a:r>
+              <a:rPr lang="en-US" sz="3200" dirty="0" smtClean="0">
                 <a:latin typeface="Lato Light" charset="0"/>
                 <a:ea typeface="Lato Light" charset="0"/>
                 <a:cs typeface="Lato Light" charset="0"/>
@@ -18846,7 +18634,87 @@
               <a:t> </a:t>
             </a:r>
             <a:r>
-              <a:rPr lang="en-US" sz="3200" dirty="0" err="1">
+              <a:rPr lang="en-US" sz="3200" dirty="0" err="1" smtClean="0">
+                <a:latin typeface="Lato Light" charset="0"/>
+                <a:ea typeface="Lato Light" charset="0"/>
+                <a:cs typeface="Lato Light" charset="0"/>
+              </a:rPr>
+              <a:t>thể</a:t>
+            </a:r>
+            <a:r>
+              <a:rPr lang="en-US" sz="3200" dirty="0" smtClean="0">
+                <a:latin typeface="Lato Light" charset="0"/>
+                <a:ea typeface="Lato Light" charset="0"/>
+                <a:cs typeface="Lato Light" charset="0"/>
+              </a:rPr>
+              <a:t> </a:t>
+            </a:r>
+            <a:r>
+              <a:rPr lang="en-US" sz="3200" dirty="0" err="1" smtClean="0">
+                <a:latin typeface="Lato Light" charset="0"/>
+                <a:ea typeface="Lato Light" charset="0"/>
+                <a:cs typeface="Lato Light" charset="0"/>
+              </a:rPr>
+              <a:t>xử</a:t>
+            </a:r>
+            <a:r>
+              <a:rPr lang="en-US" sz="3200" dirty="0" smtClean="0">
+                <a:latin typeface="Lato Light" charset="0"/>
+                <a:ea typeface="Lato Light" charset="0"/>
+                <a:cs typeface="Lato Light" charset="0"/>
+              </a:rPr>
+              <a:t> </a:t>
+            </a:r>
+            <a:r>
+              <a:rPr lang="en-US" sz="3200" dirty="0" err="1" smtClean="0">
+                <a:latin typeface="Lato Light" charset="0"/>
+                <a:ea typeface="Lato Light" charset="0"/>
+                <a:cs typeface="Lato Light" charset="0"/>
+              </a:rPr>
+              <a:t>lý</a:t>
+            </a:r>
+            <a:r>
+              <a:rPr lang="en-US" sz="3200" dirty="0" smtClean="0">
+                <a:latin typeface="Lato Light" charset="0"/>
+                <a:ea typeface="Lato Light" charset="0"/>
+                <a:cs typeface="Lato Light" charset="0"/>
+              </a:rPr>
+              <a:t> ở </a:t>
+            </a:r>
+            <a:r>
+              <a:rPr lang="en-US" sz="3200" dirty="0" err="1" smtClean="0">
+                <a:latin typeface="Lato Light" charset="0"/>
+                <a:ea typeface="Lato Light" charset="0"/>
+                <a:cs typeface="Lato Light" charset="0"/>
+              </a:rPr>
+              <a:t>mức</a:t>
+            </a:r>
+            <a:r>
+              <a:rPr lang="en-US" sz="3200" dirty="0" smtClean="0">
+                <a:latin typeface="Lato Light" charset="0"/>
+                <a:ea typeface="Lato Light" charset="0"/>
+                <a:cs typeface="Lato Light" charset="0"/>
+              </a:rPr>
+              <a:t> </a:t>
+            </a:r>
+            <a:r>
+              <a:rPr lang="en-US" sz="3200" dirty="0" err="1" smtClean="0">
+                <a:latin typeface="Lato Light" charset="0"/>
+                <a:ea typeface="Lato Light" charset="0"/>
+                <a:cs typeface="Lato Light" charset="0"/>
+              </a:rPr>
+              <a:t>dữ</a:t>
+            </a:r>
+            <a:r>
+              <a:rPr lang="en-US" sz="3200" dirty="0" smtClean="0">
+                <a:latin typeface="Lato Light" charset="0"/>
+                <a:ea typeface="Lato Light" charset="0"/>
+                <a:cs typeface="Lato Light" charset="0"/>
+              </a:rPr>
+              <a:t> </a:t>
+            </a:r>
+            <a:r>
+              <a:rPr lang="en-US" sz="3200" dirty="0" err="1" smtClean="0">
                 <a:latin typeface="Lato Light" charset="0"/>
                 <a:ea typeface="Lato Light" charset="0"/>
                 <a:cs typeface="Lato Light" charset="0"/>
@@ -18854,7 +18722,7 @@
               <a:t>liệu</a:t>
             </a:r>
             <a:r>
-              <a:rPr lang="en-US" sz="3200" dirty="0">
+              <a:rPr lang="en-US" sz="3200" dirty="0" smtClean="0">
                 <a:latin typeface="Lato Light" charset="0"/>
                 <a:ea typeface="Lato Light" charset="0"/>
                 <a:cs typeface="Lato Light" charset="0"/>
@@ -18862,68 +18730,12 @@
               <a:t> </a:t>
             </a:r>
             <a:r>
-              <a:rPr lang="en-US" sz="3200" dirty="0" err="1">
+              <a:rPr lang="en-US" sz="3200" dirty="0" err="1" smtClean="0">
                 <a:latin typeface="Lato Light" charset="0"/>
                 <a:ea typeface="Lato Light" charset="0"/>
                 <a:cs typeface="Lato Light" charset="0"/>
               </a:rPr>
-              <a:t>trong</a:t>
-            </a:r>
-            <a:r>
-              <a:rPr lang="en-US" sz="3200" dirty="0">
-                <a:latin typeface="Lato Light" charset="0"/>
-                <a:ea typeface="Lato Light" charset="0"/>
-                <a:cs typeface="Lato Light" charset="0"/>
-              </a:rPr>
-              <a:t> </a:t>
-            </a:r>
-            <a:r>
-              <a:rPr lang="en-US" sz="3200" dirty="0" err="1">
-                <a:latin typeface="Lato Light" charset="0"/>
-                <a:ea typeface="Lato Light" charset="0"/>
-                <a:cs typeface="Lato Light" charset="0"/>
-              </a:rPr>
-              <a:t>ứng</a:t>
-            </a:r>
-            <a:r>
-              <a:rPr lang="en-US" sz="3200" dirty="0">
-                <a:latin typeface="Lato Light" charset="0"/>
-                <a:ea typeface="Lato Light" charset="0"/>
-                <a:cs typeface="Lato Light" charset="0"/>
-              </a:rPr>
-              <a:t> </a:t>
-            </a:r>
-            <a:r>
-              <a:rPr lang="en-US" sz="3200" dirty="0" err="1">
-                <a:latin typeface="Lato Light" charset="0"/>
-                <a:ea typeface="Lato Light" charset="0"/>
-                <a:cs typeface="Lato Light" charset="0"/>
-              </a:rPr>
-              <a:t>dụng</a:t>
-            </a:r>
-            <a:r>
-              <a:rPr lang="en-US" sz="3200" dirty="0">
-                <a:latin typeface="Lato Light" charset="0"/>
-                <a:ea typeface="Lato Light" charset="0"/>
-                <a:cs typeface="Lato Light" charset="0"/>
-              </a:rPr>
-              <a:t> </a:t>
-            </a:r>
-            <a:r>
-              <a:rPr lang="en-US" sz="3200" dirty="0" err="1">
-                <a:latin typeface="Lato Light" charset="0"/>
-                <a:ea typeface="Lato Light" charset="0"/>
-                <a:cs typeface="Lato Light" charset="0"/>
-              </a:rPr>
-              <a:t>không</a:t>
-            </a:r>
-            <a:r>
-              <a:rPr lang="en-US" sz="3200" dirty="0">
-                <a:latin typeface="Lato Light" charset="0"/>
-                <a:ea typeface="Lato Light" charset="0"/>
-                <a:cs typeface="Lato Light" charset="0"/>
-              </a:rPr>
-              <a:t> real </a:t>
+              <a:t>lớn</a:t>
             </a:r>
             <a:r>
               <a:rPr lang="en-US" sz="3200" dirty="0" smtClean="0">
@@ -18931,7 +18743,7 @@
                 <a:ea typeface="Lato Light" charset="0"/>
                 <a:cs typeface="Lato Light" charset="0"/>
               </a:rPr>
-              <a:t>time.</a:t>
+              <a:t>.</a:t>
             </a:r>
             <a:endParaRPr lang="en-US" sz="3200" dirty="0">
               <a:latin typeface="Lato Light" charset="0"/>
@@ -18994,8 +18806,8 @@
         </p:nvSpPr>
         <p:spPr>
           <a:xfrm>
-            <a:off x="7491082" y="6073179"/>
-            <a:ext cx="9401896" cy="1569642"/>
+            <a:off x="10253054" y="6073179"/>
+            <a:ext cx="3877948" cy="1569642"/>
           </a:xfrm>
           <a:prstGeom prst="rect">
             <a:avLst/>
@@ -19010,7 +18822,7 @@
           <a:p>
             <a:pPr algn="ctr"/>
             <a:r>
-              <a:rPr lang="en-US" sz="9600" b="1" dirty="0">
+              <a:rPr lang="en-US" sz="9600" b="1" smtClean="0">
                 <a:solidFill>
                   <a:schemeClr val="tx2"/>
                 </a:solidFill>
@@ -19018,7 +18830,7 @@
                 <a:ea typeface="Lato Heavy" charset="0"/>
                 <a:cs typeface="Lato Heavy" charset="0"/>
               </a:rPr>
-              <a:t>DEMO KẾT QUẢ</a:t>
+              <a:t>DEMO</a:t>
             </a:r>
             <a:endParaRPr lang="id-ID" sz="9600" b="1" dirty="0">
               <a:solidFill>

--- a/THESIS REPORT _ TRAN TAN DONG.pptx
+++ b/THESIS REPORT _ TRAN TAN DONG.pptx
@@ -6146,7 +6146,7 @@
             <a:fld id="{EFC10EE1-B198-C942-8235-326C972CBB30}" type="datetimeFigureOut">
               <a:rPr lang="en-US" smtClean="0"/>
               <a:pPr/>
-              <a:t>12/11/2018</a:t>
+              <a:t>12/14/2018</a:t>
             </a:fld>
             <a:endParaRPr lang="en-US" dirty="0"/>
           </a:p>
@@ -10289,14 +10289,14 @@
           </a:ln>
           <a:extLst>
             <a:ext uri="{909E8E84-426E-40dd-AFC4-6F175D3DCCD1}">
-              <a14:hiddenFill xmlns:a14="http://schemas.microsoft.com/office/drawing/2010/main" xmlns="">
+              <a14:hiddenFill xmlns="" xmlns:a14="http://schemas.microsoft.com/office/drawing/2010/main">
                 <a:solidFill>
                   <a:srgbClr val="FFFFFF"/>
                 </a:solidFill>
               </a14:hiddenFill>
             </a:ext>
             <a:ext uri="{91240B29-F687-4f45-9708-019B960494DF}">
-              <a14:hiddenLine xmlns:a14="http://schemas.microsoft.com/office/drawing/2010/main" xmlns="" w="12700">
+              <a14:hiddenLine xmlns="" xmlns:a14="http://schemas.microsoft.com/office/drawing/2010/main" w="12700">
                 <a:solidFill>
                   <a:schemeClr val="tx1"/>
                 </a:solidFill>
@@ -13950,14 +13950,14 @@
           </a:ln>
           <a:extLst>
             <a:ext uri="{909E8E84-426E-40dd-AFC4-6F175D3DCCD1}">
-              <a14:hiddenFill xmlns="" xmlns:a14="http://schemas.microsoft.com/office/drawing/2010/main">
+              <a14:hiddenFill xmlns:a14="http://schemas.microsoft.com/office/drawing/2010/main" xmlns="">
                 <a:solidFill>
                   <a:srgbClr val="FFFFFF"/>
                 </a:solidFill>
               </a14:hiddenFill>
             </a:ext>
             <a:ext uri="{91240B29-F687-4f45-9708-019B960494DF}">
-              <a14:hiddenLine xmlns="" xmlns:a14="http://schemas.microsoft.com/office/drawing/2010/main" w="12700">
+              <a14:hiddenLine xmlns:a14="http://schemas.microsoft.com/office/drawing/2010/main" xmlns="" w="12700">
                 <a:solidFill>
                   <a:schemeClr val="tx1"/>
                 </a:solidFill>
@@ -14022,14 +14022,14 @@
           </a:ln>
           <a:extLst>
             <a:ext uri="{909E8E84-426E-40dd-AFC4-6F175D3DCCD1}">
-              <a14:hiddenFill xmlns="" xmlns:a14="http://schemas.microsoft.com/office/drawing/2010/main">
+              <a14:hiddenFill xmlns:a14="http://schemas.microsoft.com/office/drawing/2010/main" xmlns="">
                 <a:solidFill>
                   <a:srgbClr val="FFFFFF"/>
                 </a:solidFill>
               </a14:hiddenFill>
             </a:ext>
             <a:ext uri="{91240B29-F687-4f45-9708-019B960494DF}">
-              <a14:hiddenLine xmlns="" xmlns:a14="http://schemas.microsoft.com/office/drawing/2010/main" w="12700">
+              <a14:hiddenLine xmlns:a14="http://schemas.microsoft.com/office/drawing/2010/main" xmlns="" w="12700">
                 <a:solidFill>
                   <a:schemeClr val="tx1"/>
                 </a:solidFill>
@@ -16617,14 +16617,14 @@
               </a:ln>
               <a:extLst>
                 <a:ext uri="{909E8E84-426E-40dd-AFC4-6F175D3DCCD1}">
-                  <a14:hiddenFill xmlns="" xmlns:a14="http://schemas.microsoft.com/office/drawing/2010/main">
+                  <a14:hiddenFill xmlns:a14="http://schemas.microsoft.com/office/drawing/2010/main" xmlns="">
                     <a:solidFill>
                       <a:srgbClr val="FFFFFF"/>
                     </a:solidFill>
                   </a14:hiddenFill>
                 </a:ext>
                 <a:ext uri="{91240B29-F687-4f45-9708-019B960494DF}">
-                  <a14:hiddenLine xmlns="" xmlns:a14="http://schemas.microsoft.com/office/drawing/2010/main" w="12700">
+                  <a14:hiddenLine xmlns:a14="http://schemas.microsoft.com/office/drawing/2010/main" xmlns="" w="12700">
                     <a:solidFill>
                       <a:schemeClr val="tx1"/>
                     </a:solidFill>
@@ -16689,14 +16689,14 @@
               </a:ln>
               <a:extLst>
                 <a:ext uri="{909E8E84-426E-40dd-AFC4-6F175D3DCCD1}">
-                  <a14:hiddenFill xmlns="" xmlns:a14="http://schemas.microsoft.com/office/drawing/2010/main">
+                  <a14:hiddenFill xmlns:a14="http://schemas.microsoft.com/office/drawing/2010/main" xmlns="">
                     <a:solidFill>
                       <a:srgbClr val="FFFFFF"/>
                     </a:solidFill>
                   </a14:hiddenFill>
                 </a:ext>
                 <a:ext uri="{91240B29-F687-4f45-9708-019B960494DF}">
-                  <a14:hiddenLine xmlns="" xmlns:a14="http://schemas.microsoft.com/office/drawing/2010/main" w="12700">
+                  <a14:hiddenLine xmlns:a14="http://schemas.microsoft.com/office/drawing/2010/main" xmlns="" w="12700">
                     <a:solidFill>
                       <a:schemeClr val="tx1"/>
                     </a:solidFill>
@@ -18206,14 +18206,14 @@
               </a:ln>
               <a:extLst>
                 <a:ext uri="{909E8E84-426E-40dd-AFC4-6F175D3DCCD1}">
-                  <a14:hiddenFill xmlns="" xmlns:a14="http://schemas.microsoft.com/office/drawing/2010/main">
+                  <a14:hiddenFill xmlns:a14="http://schemas.microsoft.com/office/drawing/2010/main" xmlns="">
                     <a:solidFill>
                       <a:srgbClr val="FFFFFF"/>
                     </a:solidFill>
                   </a14:hiddenFill>
                 </a:ext>
                 <a:ext uri="{91240B29-F687-4f45-9708-019B960494DF}">
-                  <a14:hiddenLine xmlns="" xmlns:a14="http://schemas.microsoft.com/office/drawing/2010/main" w="12700">
+                  <a14:hiddenLine xmlns:a14="http://schemas.microsoft.com/office/drawing/2010/main" xmlns="" w="12700">
                     <a:solidFill>
                       <a:schemeClr val="tx1"/>
                     </a:solidFill>

--- a/THESIS REPORT _ TRAN TAN DONG.pptx
+++ b/THESIS REPORT _ TRAN TAN DONG.pptx
@@ -10289,14 +10289,14 @@
           </a:ln>
           <a:extLst>
             <a:ext uri="{909E8E84-426E-40dd-AFC4-6F175D3DCCD1}">
-              <a14:hiddenFill xmlns="" xmlns:a14="http://schemas.microsoft.com/office/drawing/2010/main">
+              <a14:hiddenFill xmlns:a14="http://schemas.microsoft.com/office/drawing/2010/main" xmlns="">
                 <a:solidFill>
                   <a:srgbClr val="FFFFFF"/>
                 </a:solidFill>
               </a14:hiddenFill>
             </a:ext>
             <a:ext uri="{91240B29-F687-4f45-9708-019B960494DF}">
-              <a14:hiddenLine xmlns="" xmlns:a14="http://schemas.microsoft.com/office/drawing/2010/main" w="12700">
+              <a14:hiddenLine xmlns:a14="http://schemas.microsoft.com/office/drawing/2010/main" xmlns="" w="12700">
                 <a:solidFill>
                   <a:schemeClr val="tx1"/>
                 </a:solidFill>
@@ -13950,14 +13950,14 @@
           </a:ln>
           <a:extLst>
             <a:ext uri="{909E8E84-426E-40dd-AFC4-6F175D3DCCD1}">
-              <a14:hiddenFill xmlns:a14="http://schemas.microsoft.com/office/drawing/2010/main" xmlns="">
+              <a14:hiddenFill xmlns="" xmlns:a14="http://schemas.microsoft.com/office/drawing/2010/main">
                 <a:solidFill>
                   <a:srgbClr val="FFFFFF"/>
                 </a:solidFill>
               </a14:hiddenFill>
             </a:ext>
             <a:ext uri="{91240B29-F687-4f45-9708-019B960494DF}">
-              <a14:hiddenLine xmlns:a14="http://schemas.microsoft.com/office/drawing/2010/main" xmlns="" w="12700">
+              <a14:hiddenLine xmlns="" xmlns:a14="http://schemas.microsoft.com/office/drawing/2010/main" w="12700">
                 <a:solidFill>
                   <a:schemeClr val="tx1"/>
                 </a:solidFill>
@@ -14022,14 +14022,14 @@
           </a:ln>
           <a:extLst>
             <a:ext uri="{909E8E84-426E-40dd-AFC4-6F175D3DCCD1}">
-              <a14:hiddenFill xmlns:a14="http://schemas.microsoft.com/office/drawing/2010/main" xmlns="">
+              <a14:hiddenFill xmlns="" xmlns:a14="http://schemas.microsoft.com/office/drawing/2010/main">
                 <a:solidFill>
                   <a:srgbClr val="FFFFFF"/>
                 </a:solidFill>
               </a14:hiddenFill>
             </a:ext>
             <a:ext uri="{91240B29-F687-4f45-9708-019B960494DF}">
-              <a14:hiddenLine xmlns:a14="http://schemas.microsoft.com/office/drawing/2010/main" xmlns="" w="12700">
+              <a14:hiddenLine xmlns="" xmlns:a14="http://schemas.microsoft.com/office/drawing/2010/main" w="12700">
                 <a:solidFill>
                   <a:schemeClr val="tx1"/>
                 </a:solidFill>
@@ -16617,14 +16617,14 @@
               </a:ln>
               <a:extLst>
                 <a:ext uri="{909E8E84-426E-40dd-AFC4-6F175D3DCCD1}">
-                  <a14:hiddenFill xmlns:a14="http://schemas.microsoft.com/office/drawing/2010/main" xmlns="">
+                  <a14:hiddenFill xmlns="" xmlns:a14="http://schemas.microsoft.com/office/drawing/2010/main">
                     <a:solidFill>
                       <a:srgbClr val="FFFFFF"/>
                     </a:solidFill>
                   </a14:hiddenFill>
                 </a:ext>
                 <a:ext uri="{91240B29-F687-4f45-9708-019B960494DF}">
-                  <a14:hiddenLine xmlns:a14="http://schemas.microsoft.com/office/drawing/2010/main" xmlns="" w="12700">
+                  <a14:hiddenLine xmlns="" xmlns:a14="http://schemas.microsoft.com/office/drawing/2010/main" w="12700">
                     <a:solidFill>
                       <a:schemeClr val="tx1"/>
                     </a:solidFill>
@@ -16689,14 +16689,14 @@
               </a:ln>
               <a:extLst>
                 <a:ext uri="{909E8E84-426E-40dd-AFC4-6F175D3DCCD1}">
-                  <a14:hiddenFill xmlns:a14="http://schemas.microsoft.com/office/drawing/2010/main" xmlns="">
+                  <a14:hiddenFill xmlns="" xmlns:a14="http://schemas.microsoft.com/office/drawing/2010/main">
                     <a:solidFill>
                       <a:srgbClr val="FFFFFF"/>
                     </a:solidFill>
                   </a14:hiddenFill>
                 </a:ext>
                 <a:ext uri="{91240B29-F687-4f45-9708-019B960494DF}">
-                  <a14:hiddenLine xmlns:a14="http://schemas.microsoft.com/office/drawing/2010/main" xmlns="" w="12700">
+                  <a14:hiddenLine xmlns="" xmlns:a14="http://schemas.microsoft.com/office/drawing/2010/main" w="12700">
                     <a:solidFill>
                       <a:schemeClr val="tx1"/>
                     </a:solidFill>
@@ -18206,14 +18206,14 @@
               </a:ln>
               <a:extLst>
                 <a:ext uri="{909E8E84-426E-40dd-AFC4-6F175D3DCCD1}">
-                  <a14:hiddenFill xmlns:a14="http://schemas.microsoft.com/office/drawing/2010/main" xmlns="">
+                  <a14:hiddenFill xmlns="" xmlns:a14="http://schemas.microsoft.com/office/drawing/2010/main">
                     <a:solidFill>
                       <a:srgbClr val="FFFFFF"/>
                     </a:solidFill>
                   </a14:hiddenFill>
                 </a:ext>
                 <a:ext uri="{91240B29-F687-4f45-9708-019B960494DF}">
-                  <a14:hiddenLine xmlns:a14="http://schemas.microsoft.com/office/drawing/2010/main" xmlns="" w="12700">
+                  <a14:hiddenLine xmlns="" xmlns:a14="http://schemas.microsoft.com/office/drawing/2010/main" w="12700">
                     <a:solidFill>
                       <a:schemeClr val="tx1"/>
                     </a:solidFill>
